--- a/Backbone&Chaplin程序员的Angular指南.pptx
+++ b/Backbone&Chaplin程序员的Angular指南.pptx
@@ -7,6 +7,7 @@
   <p:sldIdLst>
     <p:sldId id="256" r:id="rId2"/>
     <p:sldId id="257" r:id="rId3"/>
+    <p:sldId id="258" r:id="rId4"/>
   </p:sldIdLst>
   <p:sldSz cx="12192000" cy="6858000"/>
   <p:notesSz cx="6858000" cy="9144000"/>
@@ -961,12 +962,16 @@
       </dgm:t>
     </dgm:pt>
     <dgm:pt modelId="{9BFA06B8-4677-4BF7-8FA6-AB2C5FA286B8}">
-      <dgm:prSet phldrT="[文本]" phldr="1"/>
+      <dgm:prSet phldrT="[文本]"/>
       <dgm:spPr/>
       <dgm:t>
         <a:bodyPr/>
         <a:lstStyle/>
         <a:p>
+          <a:r>
+            <a:rPr lang="zh-CN" altLang="en-US" dirty="0" smtClean="0"/>
+            <a:t>资源积累深厚</a:t>
+          </a:r>
           <a:endParaRPr lang="zh-CN" altLang="en-US" dirty="0"/>
         </a:p>
       </dgm:t>
@@ -1236,6 +1241,13 @@
         </dgm:presLayoutVars>
       </dgm:prSet>
       <dgm:spPr/>
+      <dgm:t>
+        <a:bodyPr/>
+        <a:lstStyle/>
+        <a:p>
+          <a:endParaRPr lang="zh-CN" altLang="en-US"/>
+        </a:p>
+      </dgm:t>
     </dgm:pt>
     <dgm:pt modelId="{49E401F3-7381-42C6-9862-88D84DC89462}" type="pres">
       <dgm:prSet presAssocID="{98E26239-D72E-4799-8427-6A72C5E3708E}" presName="boxAndChildren" presStyleCnt="0"/>
@@ -1244,10 +1256,24 @@
     <dgm:pt modelId="{8DB12175-D64F-4A1F-AB6A-1FFC11D1D1C7}" type="pres">
       <dgm:prSet presAssocID="{98E26239-D72E-4799-8427-6A72C5E3708E}" presName="parentTextBox" presStyleLbl="node1" presStyleIdx="0" presStyleCnt="3"/>
       <dgm:spPr/>
+      <dgm:t>
+        <a:bodyPr/>
+        <a:lstStyle/>
+        <a:p>
+          <a:endParaRPr lang="zh-CN" altLang="en-US"/>
+        </a:p>
+      </dgm:t>
     </dgm:pt>
     <dgm:pt modelId="{D98CF3E9-4359-49FC-9723-0451494B1B52}" type="pres">
       <dgm:prSet presAssocID="{98E26239-D72E-4799-8427-6A72C5E3708E}" presName="entireBox" presStyleLbl="node1" presStyleIdx="0" presStyleCnt="3"/>
       <dgm:spPr/>
+      <dgm:t>
+        <a:bodyPr/>
+        <a:lstStyle/>
+        <a:p>
+          <a:endParaRPr lang="zh-CN" altLang="en-US"/>
+        </a:p>
+      </dgm:t>
     </dgm:pt>
     <dgm:pt modelId="{E527D4E6-CE44-4EDA-BC83-4185C6E62C4C}" type="pres">
       <dgm:prSet presAssocID="{98E26239-D72E-4799-8427-6A72C5E3708E}" presName="descendantBox" presStyleCnt="0"/>
@@ -1260,6 +1286,13 @@
         </dgm:presLayoutVars>
       </dgm:prSet>
       <dgm:spPr/>
+      <dgm:t>
+        <a:bodyPr/>
+        <a:lstStyle/>
+        <a:p>
+          <a:endParaRPr lang="zh-CN" altLang="en-US"/>
+        </a:p>
+      </dgm:t>
     </dgm:pt>
     <dgm:pt modelId="{E1773E4B-56E7-40A2-B1C2-56F5C99A0F58}" type="pres">
       <dgm:prSet presAssocID="{8D542033-63FE-4FF2-88F5-450E75E5578B}" presName="childTextBox" presStyleLbl="fgAccFollowNode1" presStyleIdx="1" presStyleCnt="6">
@@ -1268,6 +1301,13 @@
         </dgm:presLayoutVars>
       </dgm:prSet>
       <dgm:spPr/>
+      <dgm:t>
+        <a:bodyPr/>
+        <a:lstStyle/>
+        <a:p>
+          <a:endParaRPr lang="zh-CN" altLang="en-US"/>
+        </a:p>
+      </dgm:t>
     </dgm:pt>
     <dgm:pt modelId="{913C91B3-ECE3-47BF-93D6-57B46B191CA5}" type="pres">
       <dgm:prSet presAssocID="{985FEA95-BC5F-466D-90A2-5600AB9972B4}" presName="sp" presStyleCnt="0"/>
@@ -1280,10 +1320,24 @@
     <dgm:pt modelId="{9837C16F-0550-4E73-B025-0803722673D4}" type="pres">
       <dgm:prSet presAssocID="{50A6EEA6-9543-4303-BF7B-25A210C03E2A}" presName="parentTextArrow" presStyleLbl="node1" presStyleIdx="0" presStyleCnt="3"/>
       <dgm:spPr/>
+      <dgm:t>
+        <a:bodyPr/>
+        <a:lstStyle/>
+        <a:p>
+          <a:endParaRPr lang="zh-CN" altLang="en-US"/>
+        </a:p>
+      </dgm:t>
     </dgm:pt>
     <dgm:pt modelId="{874CE01B-5422-427D-8E0C-5FCB71118B6E}" type="pres">
       <dgm:prSet presAssocID="{50A6EEA6-9543-4303-BF7B-25A210C03E2A}" presName="arrow" presStyleLbl="node1" presStyleIdx="1" presStyleCnt="3"/>
       <dgm:spPr/>
+      <dgm:t>
+        <a:bodyPr/>
+        <a:lstStyle/>
+        <a:p>
+          <a:endParaRPr lang="zh-CN" altLang="en-US"/>
+        </a:p>
+      </dgm:t>
     </dgm:pt>
     <dgm:pt modelId="{E6E2B7ED-22C0-4118-94B0-108064E23FFA}" type="pres">
       <dgm:prSet presAssocID="{50A6EEA6-9543-4303-BF7B-25A210C03E2A}" presName="descendantArrow" presStyleCnt="0"/>
@@ -1296,6 +1350,13 @@
         </dgm:presLayoutVars>
       </dgm:prSet>
       <dgm:spPr/>
+      <dgm:t>
+        <a:bodyPr/>
+        <a:lstStyle/>
+        <a:p>
+          <a:endParaRPr lang="zh-CN" altLang="en-US"/>
+        </a:p>
+      </dgm:t>
     </dgm:pt>
     <dgm:pt modelId="{37BB92EF-1767-4CEC-A08A-93BB6FAB2671}" type="pres">
       <dgm:prSet presAssocID="{2AFB8997-3DAF-44DA-8894-CD91190C75A0}" presName="childTextArrow" presStyleLbl="fgAccFollowNode1" presStyleIdx="3" presStyleCnt="6">
@@ -1323,10 +1384,24 @@
     <dgm:pt modelId="{9A270FE1-1696-4566-9E87-87891E4980BC}" type="pres">
       <dgm:prSet presAssocID="{F932820C-E8EC-44AA-8AC8-529DD28D1567}" presName="parentTextArrow" presStyleLbl="node1" presStyleIdx="1" presStyleCnt="3"/>
       <dgm:spPr/>
+      <dgm:t>
+        <a:bodyPr/>
+        <a:lstStyle/>
+        <a:p>
+          <a:endParaRPr lang="zh-CN" altLang="en-US"/>
+        </a:p>
+      </dgm:t>
     </dgm:pt>
     <dgm:pt modelId="{24D2227A-7454-49A6-85BD-9A3DAD6CE033}" type="pres">
       <dgm:prSet presAssocID="{F932820C-E8EC-44AA-8AC8-529DD28D1567}" presName="arrow" presStyleLbl="node1" presStyleIdx="2" presStyleCnt="3"/>
       <dgm:spPr/>
+      <dgm:t>
+        <a:bodyPr/>
+        <a:lstStyle/>
+        <a:p>
+          <a:endParaRPr lang="zh-CN" altLang="en-US"/>
+        </a:p>
+      </dgm:t>
     </dgm:pt>
     <dgm:pt modelId="{C9EB5925-C895-4650-BC5C-050FF13775E2}" type="pres">
       <dgm:prSet presAssocID="{F932820C-E8EC-44AA-8AC8-529DD28D1567}" presName="descendantArrow" presStyleCnt="0"/>
@@ -1339,6 +1414,13 @@
         </dgm:presLayoutVars>
       </dgm:prSet>
       <dgm:spPr/>
+      <dgm:t>
+        <a:bodyPr/>
+        <a:lstStyle/>
+        <a:p>
+          <a:endParaRPr lang="zh-CN" altLang="en-US"/>
+        </a:p>
+      </dgm:t>
     </dgm:pt>
     <dgm:pt modelId="{C4605A13-386E-449B-99A6-BE2730454204}" type="pres">
       <dgm:prSet presAssocID="{9BFA06B8-4677-4BF7-8FA6-AB2C5FA286B8}" presName="childTextArrow" presStyleLbl="fgAccFollowNode1" presStyleIdx="5" presStyleCnt="6">
@@ -1347,31 +1429,38 @@
         </dgm:presLayoutVars>
       </dgm:prSet>
       <dgm:spPr/>
+      <dgm:t>
+        <a:bodyPr/>
+        <a:lstStyle/>
+        <a:p>
+          <a:endParaRPr lang="zh-CN" altLang="en-US"/>
+        </a:p>
+      </dgm:t>
     </dgm:pt>
   </dgm:ptLst>
   <dgm:cxnLst>
+    <dgm:cxn modelId="{E9111BB0-06BE-4628-943C-5BAC4A2425B7}" type="presOf" srcId="{50A6EEA6-9543-4303-BF7B-25A210C03E2A}" destId="{9837C16F-0550-4E73-B025-0803722673D4}" srcOrd="0" destOrd="0" presId="urn:microsoft.com/office/officeart/2005/8/layout/process4"/>
+    <dgm:cxn modelId="{1ACD7B48-BE1A-4949-BAF1-49FBBA7A066E}" type="presOf" srcId="{2DE1E66E-24BD-44BA-A6F5-9309C83278EB}" destId="{820FB618-E8CD-47A4-A09D-E2E4FA05AE3F}" srcOrd="0" destOrd="0" presId="urn:microsoft.com/office/officeart/2005/8/layout/process4"/>
+    <dgm:cxn modelId="{124D6ABC-1FEC-4736-BD72-7EBC8CF2AB62}" type="presOf" srcId="{6DB0BEE2-ECAF-4663-85A0-56DBD79073C6}" destId="{82B9BB70-B1A9-4A23-9FA7-87A9D177EC72}" srcOrd="0" destOrd="0" presId="urn:microsoft.com/office/officeart/2005/8/layout/process4"/>
     <dgm:cxn modelId="{EC3F891D-3B87-4E2B-B47A-30161453D60D}" srcId="{B7AD5F8E-AF94-4C0C-AD22-4EBC0F21F04D}" destId="{F932820C-E8EC-44AA-8AC8-529DD28D1567}" srcOrd="0" destOrd="0" parTransId="{774F4A6D-2F7D-4378-8D55-BFAD64978886}" sibTransId="{9350DF99-D0C5-4C22-9699-7B992F816944}"/>
+    <dgm:cxn modelId="{FFAA796D-6CFD-4B6A-934E-933C0EB5057E}" srcId="{F932820C-E8EC-44AA-8AC8-529DD28D1567}" destId="{2DE1E66E-24BD-44BA-A6F5-9309C83278EB}" srcOrd="0" destOrd="0" parTransId="{BAA72535-787E-4AC5-A0BE-E954B8728EE8}" sibTransId="{140183A2-A3DB-40BA-B7D6-8ED473AE2586}"/>
+    <dgm:cxn modelId="{356D3745-BEC0-4A99-A757-8CC1F57C5EC1}" srcId="{F932820C-E8EC-44AA-8AC8-529DD28D1567}" destId="{9BFA06B8-4677-4BF7-8FA6-AB2C5FA286B8}" srcOrd="1" destOrd="0" parTransId="{5BCBECB8-FF7C-4ADE-9D13-969E9DEF2F97}" sibTransId="{10C0B7FE-3785-455F-940A-578073D0B82F}"/>
+    <dgm:cxn modelId="{321C0D9C-8E50-45FF-B439-77E200EBA705}" type="presOf" srcId="{8D542033-63FE-4FF2-88F5-450E75E5578B}" destId="{E1773E4B-56E7-40A2-B1C2-56F5C99A0F58}" srcOrd="0" destOrd="0" presId="urn:microsoft.com/office/officeart/2005/8/layout/process4"/>
+    <dgm:cxn modelId="{ACD770EF-43CF-41E5-8E24-E64EA77A187E}" type="presOf" srcId="{98E26239-D72E-4799-8427-6A72C5E3708E}" destId="{8DB12175-D64F-4A1F-AB6A-1FFC11D1D1C7}" srcOrd="0" destOrd="0" presId="urn:microsoft.com/office/officeart/2005/8/layout/process4"/>
+    <dgm:cxn modelId="{15805594-412F-4BB6-B22E-934736B2B6AD}" type="presOf" srcId="{2AFB8997-3DAF-44DA-8894-CD91190C75A0}" destId="{37BB92EF-1767-4CEC-A08A-93BB6FAB2671}" srcOrd="0" destOrd="0" presId="urn:microsoft.com/office/officeart/2005/8/layout/process4"/>
     <dgm:cxn modelId="{5E34A801-E7B9-48DA-95CD-DE4912E071CD}" srcId="{98E26239-D72E-4799-8427-6A72C5E3708E}" destId="{8CAC5180-0993-4CCF-AFAA-2D754E832597}" srcOrd="0" destOrd="0" parTransId="{53F71EDC-3186-47B4-AA02-8E175B26B57B}" sibTransId="{EA348DA7-BD39-4142-B828-C8F37950FD61}"/>
-    <dgm:cxn modelId="{356D3745-BEC0-4A99-A757-8CC1F57C5EC1}" srcId="{F932820C-E8EC-44AA-8AC8-529DD28D1567}" destId="{9BFA06B8-4677-4BF7-8FA6-AB2C5FA286B8}" srcOrd="1" destOrd="0" parTransId="{5BCBECB8-FF7C-4ADE-9D13-969E9DEF2F97}" sibTransId="{10C0B7FE-3785-455F-940A-578073D0B82F}"/>
-    <dgm:cxn modelId="{15805594-412F-4BB6-B22E-934736B2B6AD}" type="presOf" srcId="{2AFB8997-3DAF-44DA-8894-CD91190C75A0}" destId="{37BB92EF-1767-4CEC-A08A-93BB6FAB2671}" srcOrd="0" destOrd="0" presId="urn:microsoft.com/office/officeart/2005/8/layout/process4"/>
-    <dgm:cxn modelId="{1ACD7B48-BE1A-4949-BAF1-49FBBA7A066E}" type="presOf" srcId="{2DE1E66E-24BD-44BA-A6F5-9309C83278EB}" destId="{820FB618-E8CD-47A4-A09D-E2E4FA05AE3F}" srcOrd="0" destOrd="0" presId="urn:microsoft.com/office/officeart/2005/8/layout/process4"/>
+    <dgm:cxn modelId="{4D5B2A13-6375-4B64-B68E-C4A5903191B5}" srcId="{50A6EEA6-9543-4303-BF7B-25A210C03E2A}" destId="{2AFB8997-3DAF-44DA-8894-CD91190C75A0}" srcOrd="1" destOrd="0" parTransId="{DDDE7FC4-DA66-4E68-95B3-3530F32758A9}" sibTransId="{025F1E76-1AB8-4BDC-A5E3-3AD34B7703DA}"/>
+    <dgm:cxn modelId="{12A8C369-1D37-4A60-A9A5-C8701B423551}" type="presOf" srcId="{9BFA06B8-4677-4BF7-8FA6-AB2C5FA286B8}" destId="{C4605A13-386E-449B-99A6-BE2730454204}" srcOrd="0" destOrd="0" presId="urn:microsoft.com/office/officeart/2005/8/layout/process4"/>
+    <dgm:cxn modelId="{828F8C58-345B-4AB1-A795-47669423C926}" type="presOf" srcId="{50A6EEA6-9543-4303-BF7B-25A210C03E2A}" destId="{874CE01B-5422-427D-8E0C-5FCB71118B6E}" srcOrd="1" destOrd="0" presId="urn:microsoft.com/office/officeart/2005/8/layout/process4"/>
+    <dgm:cxn modelId="{E1A5C63C-ABE4-48DB-A5AD-C4A557C55429}" type="presOf" srcId="{98E26239-D72E-4799-8427-6A72C5E3708E}" destId="{D98CF3E9-4359-49FC-9723-0451494B1B52}" srcOrd="1" destOrd="0" presId="urn:microsoft.com/office/officeart/2005/8/layout/process4"/>
     <dgm:cxn modelId="{05AE8A7A-6B34-4329-A5C0-7938ECD02CE3}" type="presOf" srcId="{B7AD5F8E-AF94-4C0C-AD22-4EBC0F21F04D}" destId="{AEF08254-C96F-4B3A-9431-A9EBF2A95C17}" srcOrd="0" destOrd="0" presId="urn:microsoft.com/office/officeart/2005/8/layout/process4"/>
-    <dgm:cxn modelId="{E9111BB0-06BE-4628-943C-5BAC4A2425B7}" type="presOf" srcId="{50A6EEA6-9543-4303-BF7B-25A210C03E2A}" destId="{9837C16F-0550-4E73-B025-0803722673D4}" srcOrd="0" destOrd="0" presId="urn:microsoft.com/office/officeart/2005/8/layout/process4"/>
-    <dgm:cxn modelId="{EE2ACBCC-1875-46B8-A367-8219F35F109C}" srcId="{98E26239-D72E-4799-8427-6A72C5E3708E}" destId="{8D542033-63FE-4FF2-88F5-450E75E5578B}" srcOrd="1" destOrd="0" parTransId="{F5C0249D-9F95-41BA-8CA4-6C5D6DB8076D}" sibTransId="{43D940CC-78F8-49FC-89E0-F79847C56B28}"/>
-    <dgm:cxn modelId="{4D5B2A13-6375-4B64-B68E-C4A5903191B5}" srcId="{50A6EEA6-9543-4303-BF7B-25A210C03E2A}" destId="{2AFB8997-3DAF-44DA-8894-CD91190C75A0}" srcOrd="1" destOrd="0" parTransId="{DDDE7FC4-DA66-4E68-95B3-3530F32758A9}" sibTransId="{025F1E76-1AB8-4BDC-A5E3-3AD34B7703DA}"/>
-    <dgm:cxn modelId="{FFAA796D-6CFD-4B6A-934E-933C0EB5057E}" srcId="{F932820C-E8EC-44AA-8AC8-529DD28D1567}" destId="{2DE1E66E-24BD-44BA-A6F5-9309C83278EB}" srcOrd="0" destOrd="0" parTransId="{BAA72535-787E-4AC5-A0BE-E954B8728EE8}" sibTransId="{140183A2-A3DB-40BA-B7D6-8ED473AE2586}"/>
     <dgm:cxn modelId="{DCBB38CF-A39F-4A4C-8C69-D9A2DDDA65DF}" srcId="{50A6EEA6-9543-4303-BF7B-25A210C03E2A}" destId="{6DB0BEE2-ECAF-4663-85A0-56DBD79073C6}" srcOrd="0" destOrd="0" parTransId="{4F748B63-BF01-4320-8667-053742999234}" sibTransId="{9CFD63E2-8EBD-4AFC-BC52-A05892F48C9A}"/>
-    <dgm:cxn modelId="{12A8C369-1D37-4A60-A9A5-C8701B423551}" type="presOf" srcId="{9BFA06B8-4677-4BF7-8FA6-AB2C5FA286B8}" destId="{C4605A13-386E-449B-99A6-BE2730454204}" srcOrd="0" destOrd="0" presId="urn:microsoft.com/office/officeart/2005/8/layout/process4"/>
-    <dgm:cxn modelId="{E1A5C63C-ABE4-48DB-A5AD-C4A557C55429}" type="presOf" srcId="{98E26239-D72E-4799-8427-6A72C5E3708E}" destId="{D98CF3E9-4359-49FC-9723-0451494B1B52}" srcOrd="1" destOrd="0" presId="urn:microsoft.com/office/officeart/2005/8/layout/process4"/>
-    <dgm:cxn modelId="{A79802CD-2D85-4997-9FB7-C1CDD45BC234}" srcId="{B7AD5F8E-AF94-4C0C-AD22-4EBC0F21F04D}" destId="{98E26239-D72E-4799-8427-6A72C5E3708E}" srcOrd="2" destOrd="0" parTransId="{71F7DD88-BEAF-4185-BE30-869D391C53C2}" sibTransId="{D3EA0E9A-A900-4364-B72C-F83B8B894D35}"/>
-    <dgm:cxn modelId="{2FF2555B-93FD-44F0-A118-617861438E3B}" type="presOf" srcId="{8CAC5180-0993-4CCF-AFAA-2D754E832597}" destId="{FE78B1D6-6501-4667-AAF8-716EB17C31E1}" srcOrd="0" destOrd="0" presId="urn:microsoft.com/office/officeart/2005/8/layout/process4"/>
-    <dgm:cxn modelId="{124D6ABC-1FEC-4736-BD72-7EBC8CF2AB62}" type="presOf" srcId="{6DB0BEE2-ECAF-4663-85A0-56DBD79073C6}" destId="{82B9BB70-B1A9-4A23-9FA7-87A9D177EC72}" srcOrd="0" destOrd="0" presId="urn:microsoft.com/office/officeart/2005/8/layout/process4"/>
-    <dgm:cxn modelId="{828F8C58-345B-4AB1-A795-47669423C926}" type="presOf" srcId="{50A6EEA6-9543-4303-BF7B-25A210C03E2A}" destId="{874CE01B-5422-427D-8E0C-5FCB71118B6E}" srcOrd="1" destOrd="0" presId="urn:microsoft.com/office/officeart/2005/8/layout/process4"/>
-    <dgm:cxn modelId="{BDAC4388-885A-4AB7-BAB0-F9018C711350}" type="presOf" srcId="{F932820C-E8EC-44AA-8AC8-529DD28D1567}" destId="{24D2227A-7454-49A6-85BD-9A3DAD6CE033}" srcOrd="1" destOrd="0" presId="urn:microsoft.com/office/officeart/2005/8/layout/process4"/>
-    <dgm:cxn modelId="{ACD770EF-43CF-41E5-8E24-E64EA77A187E}" type="presOf" srcId="{98E26239-D72E-4799-8427-6A72C5E3708E}" destId="{8DB12175-D64F-4A1F-AB6A-1FFC11D1D1C7}" srcOrd="0" destOrd="0" presId="urn:microsoft.com/office/officeart/2005/8/layout/process4"/>
     <dgm:cxn modelId="{71280081-19BC-4954-B949-0FC8A312EE3E}" srcId="{B7AD5F8E-AF94-4C0C-AD22-4EBC0F21F04D}" destId="{50A6EEA6-9543-4303-BF7B-25A210C03E2A}" srcOrd="1" destOrd="0" parTransId="{7338F2DA-9044-424E-86F0-3474AA5405B0}" sibTransId="{985FEA95-BC5F-466D-90A2-5600AB9972B4}"/>
     <dgm:cxn modelId="{0E0E5AE0-91B5-4815-9891-C793F8A6821C}" type="presOf" srcId="{F932820C-E8EC-44AA-8AC8-529DD28D1567}" destId="{9A270FE1-1696-4566-9E87-87891E4980BC}" srcOrd="0" destOrd="0" presId="urn:microsoft.com/office/officeart/2005/8/layout/process4"/>
-    <dgm:cxn modelId="{321C0D9C-8E50-45FF-B439-77E200EBA705}" type="presOf" srcId="{8D542033-63FE-4FF2-88F5-450E75E5578B}" destId="{E1773E4B-56E7-40A2-B1C2-56F5C99A0F58}" srcOrd="0" destOrd="0" presId="urn:microsoft.com/office/officeart/2005/8/layout/process4"/>
+    <dgm:cxn modelId="{A79802CD-2D85-4997-9FB7-C1CDD45BC234}" srcId="{B7AD5F8E-AF94-4C0C-AD22-4EBC0F21F04D}" destId="{98E26239-D72E-4799-8427-6A72C5E3708E}" srcOrd="2" destOrd="0" parTransId="{71F7DD88-BEAF-4185-BE30-869D391C53C2}" sibTransId="{D3EA0E9A-A900-4364-B72C-F83B8B894D35}"/>
+    <dgm:cxn modelId="{BDAC4388-885A-4AB7-BAB0-F9018C711350}" type="presOf" srcId="{F932820C-E8EC-44AA-8AC8-529DD28D1567}" destId="{24D2227A-7454-49A6-85BD-9A3DAD6CE033}" srcOrd="1" destOrd="0" presId="urn:microsoft.com/office/officeart/2005/8/layout/process4"/>
+    <dgm:cxn modelId="{EE2ACBCC-1875-46B8-A367-8219F35F109C}" srcId="{98E26239-D72E-4799-8427-6A72C5E3708E}" destId="{8D542033-63FE-4FF2-88F5-450E75E5578B}" srcOrd="1" destOrd="0" parTransId="{F5C0249D-9F95-41BA-8CA4-6C5D6DB8076D}" sibTransId="{43D940CC-78F8-49FC-89E0-F79847C56B28}"/>
+    <dgm:cxn modelId="{2FF2555B-93FD-44F0-A118-617861438E3B}" type="presOf" srcId="{8CAC5180-0993-4CCF-AFAA-2D754E832597}" destId="{FE78B1D6-6501-4667-AAF8-716EB17C31E1}" srcOrd="0" destOrd="0" presId="urn:microsoft.com/office/officeart/2005/8/layout/process4"/>
     <dgm:cxn modelId="{44923CD2-A81E-4964-B2CD-45A7B47903BD}" type="presParOf" srcId="{AEF08254-C96F-4B3A-9431-A9EBF2A95C17}" destId="{49E401F3-7381-42C6-9862-88D84DC89462}" srcOrd="0" destOrd="0" presId="urn:microsoft.com/office/officeart/2005/8/layout/process4"/>
     <dgm:cxn modelId="{8926AD53-C5EE-4D5E-A835-AE85BA12A5AD}" type="presParOf" srcId="{49E401F3-7381-42C6-9862-88D84DC89462}" destId="{8DB12175-D64F-4A1F-AB6A-1FFC11D1D1C7}" srcOrd="0" destOrd="0" presId="urn:microsoft.com/office/officeart/2005/8/layout/process4"/>
     <dgm:cxn modelId="{E358389D-1E38-457D-8BA7-C037CF08B290}" type="presParOf" srcId="{49E401F3-7381-42C6-9862-88D84DC89462}" destId="{D98CF3E9-4359-49FC-9723-0451494B1B52}" srcOrd="1" destOrd="0" presId="urn:microsoft.com/office/officeart/2005/8/layout/process4"/>
@@ -2128,6 +2217,10 @@
               <a:spcPct val="35000"/>
             </a:spcAft>
           </a:pPr>
+          <a:r>
+            <a:rPr lang="zh-CN" altLang="en-US" sz="2400" kern="1200" dirty="0" smtClean="0"/>
+            <a:t>资源积累深厚</a:t>
+          </a:r>
           <a:endParaRPr lang="zh-CN" altLang="en-US" sz="2400" kern="1200" dirty="0"/>
         </a:p>
       </dsp:txBody>
@@ -4273,7 +4366,7 @@
             <a:fld id="{B61BEF0D-F0BB-DE4B-95CE-6DB70DBA9567}" type="datetimeFigureOut">
               <a:rPr lang="en-US" dirty="0"/>
               <a:pPr/>
-              <a:t>5/23/2014</a:t>
+              <a:t>5/24/2014</a:t>
             </a:fld>
             <a:endParaRPr lang="en-US" dirty="0"/>
           </a:p>
@@ -4521,7 +4614,7 @@
             <a:fld id="{B61BEF0D-F0BB-DE4B-95CE-6DB70DBA9567}" type="datetimeFigureOut">
               <a:rPr lang="en-US" dirty="0"/>
               <a:pPr/>
-              <a:t>5/23/2014</a:t>
+              <a:t>5/24/2014</a:t>
             </a:fld>
             <a:endParaRPr lang="en-US" dirty="0"/>
           </a:p>
@@ -4832,7 +4925,7 @@
             <a:fld id="{B61BEF0D-F0BB-DE4B-95CE-6DB70DBA9567}" type="datetimeFigureOut">
               <a:rPr lang="en-US" dirty="0"/>
               <a:pPr/>
-              <a:t>5/23/2014</a:t>
+              <a:t>5/24/2014</a:t>
             </a:fld>
             <a:endParaRPr lang="en-US" dirty="0"/>
           </a:p>
@@ -5162,7 +5255,7 @@
             <a:fld id="{B61BEF0D-F0BB-DE4B-95CE-6DB70DBA9567}" type="datetimeFigureOut">
               <a:rPr lang="en-US" dirty="0"/>
               <a:pPr/>
-              <a:t>5/23/2014</a:t>
+              <a:t>5/24/2014</a:t>
             </a:fld>
             <a:endParaRPr lang="en-US" dirty="0"/>
           </a:p>
@@ -5473,7 +5566,7 @@
             <a:fld id="{B61BEF0D-F0BB-DE4B-95CE-6DB70DBA9567}" type="datetimeFigureOut">
               <a:rPr lang="en-US" dirty="0"/>
               <a:pPr/>
-              <a:t>5/23/2014</a:t>
+              <a:t>5/24/2014</a:t>
             </a:fld>
             <a:endParaRPr lang="en-US" dirty="0"/>
           </a:p>
@@ -5863,7 +5956,7 @@
             <a:fld id="{B61BEF0D-F0BB-DE4B-95CE-6DB70DBA9567}" type="datetimeFigureOut">
               <a:rPr lang="en-US" dirty="0"/>
               <a:pPr/>
-              <a:t>5/23/2014</a:t>
+              <a:t>5/24/2014</a:t>
             </a:fld>
             <a:endParaRPr lang="en-US" dirty="0"/>
           </a:p>
@@ -6029,7 +6122,7 @@
           <a:p>
             <a:fld id="{55C6B4A9-1611-4792-9094-5F34BCA07E0B}" type="datetimeFigureOut">
               <a:rPr lang="en-US" dirty="0"/>
-              <a:t>5/23/2014</a:t>
+              <a:t>5/24/2014</a:t>
             </a:fld>
             <a:endParaRPr lang="en-US" dirty="0"/>
           </a:p>
@@ -6205,7 +6298,7 @@
             <a:fld id="{B61BEF0D-F0BB-DE4B-95CE-6DB70DBA9567}" type="datetimeFigureOut">
               <a:rPr lang="en-US" dirty="0"/>
               <a:pPr/>
-              <a:t>5/23/2014</a:t>
+              <a:t>5/24/2014</a:t>
             </a:fld>
             <a:endParaRPr lang="en-US" dirty="0"/>
           </a:p>
@@ -6371,7 +6464,7 @@
           <a:p>
             <a:fld id="{42A54C80-263E-416B-A8E0-580EDEADCBDC}" type="datetimeFigureOut">
               <a:rPr lang="en-US" dirty="0"/>
-              <a:t>5/23/2014</a:t>
+              <a:t>5/24/2014</a:t>
             </a:fld>
             <a:endParaRPr lang="en-US" dirty="0"/>
           </a:p>
@@ -6614,7 +6707,7 @@
             <a:fld id="{B61BEF0D-F0BB-DE4B-95CE-6DB70DBA9567}" type="datetimeFigureOut">
               <a:rPr lang="en-US" dirty="0"/>
               <a:pPr/>
-              <a:t>5/23/2014</a:t>
+              <a:t>5/24/2014</a:t>
             </a:fld>
             <a:endParaRPr lang="en-US" dirty="0"/>
           </a:p>
@@ -6842,7 +6935,7 @@
           <a:p>
             <a:fld id="{42A54C80-263E-416B-A8E0-580EDEADCBDC}" type="datetimeFigureOut">
               <a:rPr lang="en-US" dirty="0"/>
-              <a:t>5/23/2014</a:t>
+              <a:t>5/24/2014</a:t>
             </a:fld>
             <a:endParaRPr lang="en-US" dirty="0"/>
           </a:p>
@@ -7212,7 +7305,7 @@
             <a:fld id="{B61BEF0D-F0BB-DE4B-95CE-6DB70DBA9567}" type="datetimeFigureOut">
               <a:rPr lang="en-US" dirty="0"/>
               <a:pPr/>
-              <a:t>5/23/2014</a:t>
+              <a:t>5/24/2014</a:t>
             </a:fld>
             <a:endParaRPr lang="en-US" dirty="0"/>
           </a:p>
@@ -7332,7 +7425,7 @@
             <a:fld id="{B61BEF0D-F0BB-DE4B-95CE-6DB70DBA9567}" type="datetimeFigureOut">
               <a:rPr lang="en-US" dirty="0"/>
               <a:pPr/>
-              <a:t>5/23/2014</a:t>
+              <a:t>5/24/2014</a:t>
             </a:fld>
             <a:endParaRPr lang="en-US" dirty="0"/>
           </a:p>
@@ -7424,7 +7517,7 @@
             <a:fld id="{B61BEF0D-F0BB-DE4B-95CE-6DB70DBA9567}" type="datetimeFigureOut">
               <a:rPr lang="en-US" dirty="0"/>
               <a:pPr/>
-              <a:t>5/23/2014</a:t>
+              <a:t>5/24/2014</a:t>
             </a:fld>
             <a:endParaRPr lang="en-US" dirty="0"/>
           </a:p>
@@ -7675,7 +7768,7 @@
           <a:p>
             <a:fld id="{42A54C80-263E-416B-A8E0-580EDEADCBDC}" type="datetimeFigureOut">
               <a:rPr lang="en-US" dirty="0"/>
-              <a:t>5/23/2014</a:t>
+              <a:t>5/24/2014</a:t>
             </a:fld>
             <a:endParaRPr lang="en-US" dirty="0"/>
           </a:p>
@@ -7977,7 +8070,7 @@
             <a:fld id="{B61BEF0D-F0BB-DE4B-95CE-6DB70DBA9567}" type="datetimeFigureOut">
               <a:rPr lang="en-US" dirty="0"/>
               <a:pPr/>
-              <a:t>5/23/2014</a:t>
+              <a:t>5/24/2014</a:t>
             </a:fld>
             <a:endParaRPr lang="en-US" dirty="0"/>
           </a:p>
@@ -8675,7 +8768,7 @@
             <a:fld id="{B61BEF0D-F0BB-DE4B-95CE-6DB70DBA9567}" type="datetimeFigureOut">
               <a:rPr lang="en-US" dirty="0"/>
               <a:pPr/>
-              <a:t>5/23/2014</a:t>
+              <a:t>5/24/2014</a:t>
             </a:fld>
             <a:endParaRPr lang="en-US" dirty="0"/>
           </a:p>
@@ -9316,7 +9409,7 @@
             <p:ph idx="1"/>
             <p:extLst>
               <p:ext uri="{D42A27DB-BD31-4B8C-83A1-F6EECF244321}">
-                <p14:modId xmlns:p14="http://schemas.microsoft.com/office/powerpoint/2010/main" val="2801351626"/>
+                <p14:modId xmlns:p14="http://schemas.microsoft.com/office/powerpoint/2010/main" val="2963814924"/>
               </p:ext>
             </p:extLst>
           </p:nvPr>
@@ -9335,6 +9428,74 @@
     <p:extLst>
       <p:ext uri="{BB962C8B-B14F-4D97-AF65-F5344CB8AC3E}">
         <p14:creationId xmlns:p14="http://schemas.microsoft.com/office/powerpoint/2010/main" val="1280261551"/>
+      </p:ext>
+    </p:extLst>
+  </p:cSld>
+  <p:clrMapOvr>
+    <a:masterClrMapping/>
+  </p:clrMapOvr>
+</p:sld>
+</file>
+
+<file path=ppt/slides/slide3.xml><?xml version="1.0" encoding="utf-8"?>
+<p:sld xmlns:a="http://schemas.openxmlformats.org/drawingml/2006/main" xmlns:r="http://schemas.openxmlformats.org/officeDocument/2006/relationships" xmlns:p="http://schemas.openxmlformats.org/presentationml/2006/main">
+  <p:cSld>
+    <p:spTree>
+      <p:nvGrpSpPr>
+        <p:cNvPr id="1" name=""/>
+        <p:cNvGrpSpPr/>
+        <p:nvPr/>
+      </p:nvGrpSpPr>
+      <p:grpSpPr>
+        <a:xfrm>
+          <a:off x="0" y="0"/>
+          <a:ext cx="0" cy="0"/>
+          <a:chOff x="0" y="0"/>
+          <a:chExt cx="0" cy="0"/>
+        </a:xfrm>
+      </p:grpSpPr>
+      <p:sp>
+        <p:nvSpPr>
+          <p:cNvPr id="2" name="标题 1"/>
+          <p:cNvSpPr>
+            <a:spLocks noGrp="1"/>
+          </p:cNvSpPr>
+          <p:nvPr>
+            <p:ph type="title"/>
+          </p:nvPr>
+        </p:nvSpPr>
+        <p:spPr/>
+        <p:txBody>
+          <a:bodyPr/>
+          <a:lstStyle/>
+          <a:p>
+            <a:endParaRPr lang="zh-CN" altLang="en-US"/>
+          </a:p>
+        </p:txBody>
+      </p:sp>
+      <p:sp>
+        <p:nvSpPr>
+          <p:cNvPr id="3" name="内容占位符 2"/>
+          <p:cNvSpPr>
+            <a:spLocks noGrp="1"/>
+          </p:cNvSpPr>
+          <p:nvPr>
+            <p:ph idx="1"/>
+          </p:nvPr>
+        </p:nvSpPr>
+        <p:spPr/>
+        <p:txBody>
+          <a:bodyPr/>
+          <a:lstStyle/>
+          <a:p>
+            <a:endParaRPr lang="zh-CN" altLang="en-US"/>
+          </a:p>
+        </p:txBody>
+      </p:sp>
+    </p:spTree>
+    <p:extLst>
+      <p:ext uri="{BB962C8B-B14F-4D97-AF65-F5344CB8AC3E}">
+        <p14:creationId xmlns:p14="http://schemas.microsoft.com/office/powerpoint/2010/main" val="3447522123"/>
       </p:ext>
     </p:extLst>
   </p:cSld>
